--- a/Classification SOA.pptx
+++ b/Classification SOA.pptx
@@ -4842,32 +4842,25 @@
           </a:p>
         </p:txBody>
       </p:sp>
-      <p:pic>
-        <p:nvPicPr>
-          <p:cNvPr id="12" name="Content Placeholder 3"/>
-          <p:cNvPicPr>
-            <a:picLocks noGrp="1" noChangeAspect="1"/>
-          </p:cNvPicPr>
+      <p:sp>
+        <p:nvSpPr>
+          <p:cNvPr id="3" name="Espace réservé du contenu 2"/>
+          <p:cNvSpPr>
+            <a:spLocks noGrp="1"/>
+          </p:cNvSpPr>
           <p:nvPr>
             <p:ph idx="1"/>
           </p:nvPr>
-        </p:nvPicPr>
-        <p:blipFill>
-          <a:blip r:embed="rId3"/>
-          <a:stretch>
-            <a:fillRect/>
-          </a:stretch>
-        </p:blipFill>
-        <p:spPr>
-          <a:xfrm>
-            <a:off x="8741490" y="922679"/>
-            <a:ext cx="4330148" cy="2561420"/>
-          </a:xfrm>
-          <a:prstGeom prst="rect">
-            <a:avLst/>
-          </a:prstGeom>
-        </p:spPr>
-      </p:pic>
+        </p:nvSpPr>
+        <p:spPr/>
+        <p:txBody>
+          <a:bodyPr/>
+          <a:lstStyle/>
+          <a:p>
+            <a:endParaRPr lang="fr-FR"/>
+          </a:p>
+        </p:txBody>
+      </p:sp>
     </p:spTree>
     <p:extLst>
       <p:ext uri="{BB962C8B-B14F-4D97-AF65-F5344CB8AC3E}">

--- a/Classification SOA.pptx
+++ b/Classification SOA.pptx
@@ -5,13 +5,15 @@
     <p:sldMasterId id="2147483648" r:id="rId1"/>
   </p:sldMasterIdLst>
   <p:notesMasterIdLst>
-    <p:notesMasterId r:id="rId6"/>
+    <p:notesMasterId r:id="rId8"/>
   </p:notesMasterIdLst>
   <p:sldIdLst>
     <p:sldId id="267" r:id="rId2"/>
-    <p:sldId id="256" r:id="rId3"/>
-    <p:sldId id="268" r:id="rId4"/>
-    <p:sldId id="269" r:id="rId5"/>
+    <p:sldId id="270" r:id="rId3"/>
+    <p:sldId id="271" r:id="rId4"/>
+    <p:sldId id="256" r:id="rId5"/>
+    <p:sldId id="268" r:id="rId6"/>
+    <p:sldId id="269" r:id="rId7"/>
   </p:sldIdLst>
   <p:sldSz cx="12192000" cy="6858000"/>
   <p:notesSz cx="6858000" cy="9144000"/>
@@ -571,7 +573,7 @@
       </p:grpSpPr>
       <p:sp>
         <p:nvSpPr>
-          <p:cNvPr id="2" name="Espace réservé de l'image des diapositives 1"/>
+          <p:cNvPr id="2" name="Slide Image Placeholder 1"/>
           <p:cNvSpPr>
             <a:spLocks noGrp="1" noRot="1" noChangeAspect="1"/>
           </p:cNvSpPr>
@@ -583,7 +585,7 @@
       </p:sp>
       <p:sp>
         <p:nvSpPr>
-          <p:cNvPr id="3" name="Espace réservé des notes 2"/>
+          <p:cNvPr id="3" name="Notes Placeholder 2"/>
           <p:cNvSpPr>
             <a:spLocks noGrp="1"/>
           </p:cNvSpPr>
@@ -596,13 +598,13 @@
           <a:bodyPr/>
           <a:lstStyle/>
           <a:p>
-            <a:endParaRPr lang="en-US" baseline="0" dirty="0" smtClean="0"/>
-          </a:p>
-        </p:txBody>
-      </p:sp>
-      <p:sp>
-        <p:nvSpPr>
-          <p:cNvPr id="4" name="Espace réservé du numéro de diapositive 3"/>
+            <a:endParaRPr lang="fr-FR" dirty="0"/>
+          </a:p>
+        </p:txBody>
+      </p:sp>
+      <p:sp>
+        <p:nvSpPr>
+          <p:cNvPr id="4" name="Slide Number Placeholder 3"/>
           <p:cNvSpPr>
             <a:spLocks noGrp="1"/>
           </p:cNvSpPr>
@@ -626,7 +628,7 @@
     </p:spTree>
     <p:extLst>
       <p:ext uri="{BB962C8B-B14F-4D97-AF65-F5344CB8AC3E}">
-        <p14:creationId xmlns:p14="http://schemas.microsoft.com/office/powerpoint/2010/main" val="207169635"/>
+        <p14:creationId xmlns:p14="http://schemas.microsoft.com/office/powerpoint/2010/main" val="384791830"/>
       </p:ext>
     </p:extLst>
   </p:cSld>
@@ -680,6 +682,174 @@
           <a:bodyPr/>
           <a:lstStyle/>
           <a:p>
+            <a:endParaRPr lang="en-US" dirty="0"/>
+          </a:p>
+        </p:txBody>
+      </p:sp>
+      <p:sp>
+        <p:nvSpPr>
+          <p:cNvPr id="4" name="Slide Number Placeholder 3"/>
+          <p:cNvSpPr>
+            <a:spLocks noGrp="1"/>
+          </p:cNvSpPr>
+          <p:nvPr>
+            <p:ph type="sldNum" sz="quarter" idx="10"/>
+          </p:nvPr>
+        </p:nvSpPr>
+        <p:spPr/>
+        <p:txBody>
+          <a:bodyPr/>
+          <a:lstStyle/>
+          <a:p>
+            <a:fld id="{D28EA7D7-C7F3-478A-8A4C-FF7D1D2BF4D3}" type="slidenum">
+              <a:rPr lang="fr-FR" smtClean="0"/>
+              <a:t>3</a:t>
+            </a:fld>
+            <a:endParaRPr lang="fr-FR"/>
+          </a:p>
+        </p:txBody>
+      </p:sp>
+    </p:spTree>
+    <p:extLst>
+      <p:ext uri="{BB962C8B-B14F-4D97-AF65-F5344CB8AC3E}">
+        <p14:creationId xmlns:p14="http://schemas.microsoft.com/office/powerpoint/2010/main" val="2189136221"/>
+      </p:ext>
+    </p:extLst>
+  </p:cSld>
+  <p:clrMapOvr>
+    <a:masterClrMapping/>
+  </p:clrMapOvr>
+</p:notes>
+</file>
+
+<file path=ppt/notesSlides/notesSlide4.xml><?xml version="1.0" encoding="utf-8"?>
+<p:notes xmlns:a="http://schemas.openxmlformats.org/drawingml/2006/main" xmlns:r="http://schemas.openxmlformats.org/officeDocument/2006/relationships" xmlns:p="http://schemas.openxmlformats.org/presentationml/2006/main">
+  <p:cSld>
+    <p:spTree>
+      <p:nvGrpSpPr>
+        <p:cNvPr id="1" name=""/>
+        <p:cNvGrpSpPr/>
+        <p:nvPr/>
+      </p:nvGrpSpPr>
+      <p:grpSpPr>
+        <a:xfrm>
+          <a:off x="0" y="0"/>
+          <a:ext cx="0" cy="0"/>
+          <a:chOff x="0" y="0"/>
+          <a:chExt cx="0" cy="0"/>
+        </a:xfrm>
+      </p:grpSpPr>
+      <p:sp>
+        <p:nvSpPr>
+          <p:cNvPr id="2" name="Espace réservé de l'image des diapositives 1"/>
+          <p:cNvSpPr>
+            <a:spLocks noGrp="1" noRot="1" noChangeAspect="1"/>
+          </p:cNvSpPr>
+          <p:nvPr>
+            <p:ph type="sldImg"/>
+          </p:nvPr>
+        </p:nvSpPr>
+        <p:spPr/>
+      </p:sp>
+      <p:sp>
+        <p:nvSpPr>
+          <p:cNvPr id="3" name="Espace réservé des notes 2"/>
+          <p:cNvSpPr>
+            <a:spLocks noGrp="1"/>
+          </p:cNvSpPr>
+          <p:nvPr>
+            <p:ph type="body" idx="1"/>
+          </p:nvPr>
+        </p:nvSpPr>
+        <p:spPr/>
+        <p:txBody>
+          <a:bodyPr/>
+          <a:lstStyle/>
+          <a:p>
+            <a:endParaRPr lang="en-US" baseline="0" dirty="0" smtClean="0"/>
+          </a:p>
+        </p:txBody>
+      </p:sp>
+      <p:sp>
+        <p:nvSpPr>
+          <p:cNvPr id="4" name="Espace réservé du numéro de diapositive 3"/>
+          <p:cNvSpPr>
+            <a:spLocks noGrp="1"/>
+          </p:cNvSpPr>
+          <p:nvPr>
+            <p:ph type="sldNum" sz="quarter" idx="10"/>
+          </p:nvPr>
+        </p:nvSpPr>
+        <p:spPr/>
+        <p:txBody>
+          <a:bodyPr/>
+          <a:lstStyle/>
+          <a:p>
+            <a:fld id="{D28EA7D7-C7F3-478A-8A4C-FF7D1D2BF4D3}" type="slidenum">
+              <a:rPr lang="fr-FR" smtClean="0"/>
+              <a:t>4</a:t>
+            </a:fld>
+            <a:endParaRPr lang="fr-FR"/>
+          </a:p>
+        </p:txBody>
+      </p:sp>
+    </p:spTree>
+    <p:extLst>
+      <p:ext uri="{BB962C8B-B14F-4D97-AF65-F5344CB8AC3E}">
+        <p14:creationId xmlns:p14="http://schemas.microsoft.com/office/powerpoint/2010/main" val="207169635"/>
+      </p:ext>
+    </p:extLst>
+  </p:cSld>
+  <p:clrMapOvr>
+    <a:masterClrMapping/>
+  </p:clrMapOvr>
+</p:notes>
+</file>
+
+<file path=ppt/notesSlides/notesSlide5.xml><?xml version="1.0" encoding="utf-8"?>
+<p:notes xmlns:a="http://schemas.openxmlformats.org/drawingml/2006/main" xmlns:r="http://schemas.openxmlformats.org/officeDocument/2006/relationships" xmlns:p="http://schemas.openxmlformats.org/presentationml/2006/main">
+  <p:cSld>
+    <p:spTree>
+      <p:nvGrpSpPr>
+        <p:cNvPr id="1" name=""/>
+        <p:cNvGrpSpPr/>
+        <p:nvPr/>
+      </p:nvGrpSpPr>
+      <p:grpSpPr>
+        <a:xfrm>
+          <a:off x="0" y="0"/>
+          <a:ext cx="0" cy="0"/>
+          <a:chOff x="0" y="0"/>
+          <a:chExt cx="0" cy="0"/>
+        </a:xfrm>
+      </p:grpSpPr>
+      <p:sp>
+        <p:nvSpPr>
+          <p:cNvPr id="2" name="Slide Image Placeholder 1"/>
+          <p:cNvSpPr>
+            <a:spLocks noGrp="1" noRot="1" noChangeAspect="1"/>
+          </p:cNvSpPr>
+          <p:nvPr>
+            <p:ph type="sldImg"/>
+          </p:nvPr>
+        </p:nvSpPr>
+        <p:spPr/>
+      </p:sp>
+      <p:sp>
+        <p:nvSpPr>
+          <p:cNvPr id="3" name="Notes Placeholder 2"/>
+          <p:cNvSpPr>
+            <a:spLocks noGrp="1"/>
+          </p:cNvSpPr>
+          <p:nvPr>
+            <p:ph type="body" idx="1"/>
+          </p:nvPr>
+        </p:nvSpPr>
+        <p:spPr/>
+        <p:txBody>
+          <a:bodyPr/>
+          <a:lstStyle/>
+          <a:p>
             <a:pPr marL="0" indent="0">
               <a:buFont typeface="Arial" panose="020B0604020202020204" pitchFamily="34" charset="0"/>
               <a:buNone/>
@@ -705,7 +875,7 @@
           <a:p>
             <a:fld id="{D28EA7D7-C7F3-478A-8A4C-FF7D1D2BF4D3}" type="slidenum">
               <a:rPr lang="fr-FR" smtClean="0"/>
-              <a:t>3</a:t>
+              <a:t>5</a:t>
             </a:fld>
             <a:endParaRPr lang="fr-FR"/>
           </a:p>
@@ -3660,6 +3830,381 @@
       </p:grpSpPr>
       <p:sp>
         <p:nvSpPr>
+          <p:cNvPr id="2" name="Title 1"/>
+          <p:cNvSpPr>
+            <a:spLocks noGrp="1"/>
+          </p:cNvSpPr>
+          <p:nvPr>
+            <p:ph type="title"/>
+          </p:nvPr>
+        </p:nvSpPr>
+        <p:spPr/>
+        <p:txBody>
+          <a:bodyPr/>
+          <a:lstStyle/>
+          <a:p>
+            <a:r>
+              <a:rPr lang="fr-FR" b="1" dirty="0" err="1" smtClean="0"/>
+              <a:t>Anatomy</a:t>
+            </a:r>
+            <a:r>
+              <a:rPr lang="fr-FR" b="1" dirty="0" smtClean="0"/>
+              <a:t> and </a:t>
+            </a:r>
+            <a:r>
+              <a:rPr lang="fr-FR" b="1" dirty="0" err="1" smtClean="0"/>
+              <a:t>histology</a:t>
+            </a:r>
+            <a:r>
+              <a:rPr lang="fr-FR" b="1" dirty="0" smtClean="0"/>
+              <a:t> </a:t>
+            </a:r>
+            <a:endParaRPr lang="fr-FR" b="1" dirty="0"/>
+          </a:p>
+        </p:txBody>
+      </p:sp>
+      <p:pic>
+        <p:nvPicPr>
+          <p:cNvPr id="4" name="Picture 3"/>
+          <p:cNvPicPr>
+            <a:picLocks noChangeAspect="1"/>
+          </p:cNvPicPr>
+          <p:nvPr/>
+        </p:nvPicPr>
+        <p:blipFill>
+          <a:blip r:embed="rId3"/>
+          <a:stretch>
+            <a:fillRect/>
+          </a:stretch>
+        </p:blipFill>
+        <p:spPr>
+          <a:xfrm>
+            <a:off x="583149" y="3699597"/>
+            <a:ext cx="7611284" cy="3044513"/>
+          </a:xfrm>
+          <a:prstGeom prst="rect">
+            <a:avLst/>
+          </a:prstGeom>
+        </p:spPr>
+      </p:pic>
+      <p:pic>
+        <p:nvPicPr>
+          <p:cNvPr id="3074" name="Picture 2" descr="Understanding The Different Layers Of Skin – SkinKraft"/>
+          <p:cNvPicPr>
+            <a:picLocks noChangeAspect="1" noChangeArrowheads="1"/>
+          </p:cNvPicPr>
+          <p:nvPr/>
+        </p:nvPicPr>
+        <p:blipFill>
+          <a:blip r:embed="rId4">
+            <a:extLst>
+              <a:ext uri="{28A0092B-C50C-407E-A947-70E740481C1C}">
+                <a14:useLocalDpi xmlns:a14="http://schemas.microsoft.com/office/drawing/2010/main" val="0"/>
+              </a:ext>
+            </a:extLst>
+          </a:blip>
+          <a:srcRect/>
+          <a:stretch>
+            <a:fillRect/>
+          </a:stretch>
+        </p:blipFill>
+        <p:spPr bwMode="auto">
+          <a:xfrm>
+            <a:off x="7139354" y="1690688"/>
+            <a:ext cx="4619886" cy="2887429"/>
+          </a:xfrm>
+          <a:prstGeom prst="rect">
+            <a:avLst/>
+          </a:prstGeom>
+          <a:noFill/>
+          <a:extLst>
+            <a:ext uri="{909E8E84-426E-40DD-AFC4-6F175D3DCCD1}">
+              <a14:hiddenFill xmlns:a14="http://schemas.microsoft.com/office/drawing/2010/main">
+                <a:solidFill>
+                  <a:srgbClr val="FFFFFF"/>
+                </a:solidFill>
+              </a14:hiddenFill>
+            </a:ext>
+          </a:extLst>
+        </p:spPr>
+      </p:pic>
+    </p:spTree>
+    <p:extLst>
+      <p:ext uri="{BB962C8B-B14F-4D97-AF65-F5344CB8AC3E}">
+        <p14:creationId xmlns:p14="http://schemas.microsoft.com/office/powerpoint/2010/main" val="3541109469"/>
+      </p:ext>
+    </p:extLst>
+  </p:cSld>
+  <p:clrMapOvr>
+    <a:masterClrMapping/>
+  </p:clrMapOvr>
+</p:sld>
+</file>
+
+<file path=ppt/slides/slide3.xml><?xml version="1.0" encoding="utf-8"?>
+<p:sld xmlns:a="http://schemas.openxmlformats.org/drawingml/2006/main" xmlns:r="http://schemas.openxmlformats.org/officeDocument/2006/relationships" xmlns:p="http://schemas.openxmlformats.org/presentationml/2006/main">
+  <p:cSld>
+    <p:spTree>
+      <p:nvGrpSpPr>
+        <p:cNvPr id="1" name=""/>
+        <p:cNvGrpSpPr/>
+        <p:nvPr/>
+      </p:nvGrpSpPr>
+      <p:grpSpPr>
+        <a:xfrm>
+          <a:off x="0" y="0"/>
+          <a:ext cx="0" cy="0"/>
+          <a:chOff x="0" y="0"/>
+          <a:chExt cx="0" cy="0"/>
+        </a:xfrm>
+      </p:grpSpPr>
+      <p:sp>
+        <p:nvSpPr>
+          <p:cNvPr id="2" name="Title 1"/>
+          <p:cNvSpPr>
+            <a:spLocks noGrp="1"/>
+          </p:cNvSpPr>
+          <p:nvPr>
+            <p:ph type="title"/>
+          </p:nvPr>
+        </p:nvSpPr>
+        <p:spPr>
+          <a:xfrm>
+            <a:off x="636104" y="365125"/>
+            <a:ext cx="10515600" cy="1325563"/>
+          </a:xfrm>
+        </p:spPr>
+        <p:txBody>
+          <a:bodyPr/>
+          <a:lstStyle/>
+          <a:p>
+            <a:r>
+              <a:rPr lang="fr-FR" b="1" dirty="0" smtClean="0"/>
+              <a:t>Skin cancer types </a:t>
+            </a:r>
+            <a:endParaRPr lang="fr-FR" b="1" dirty="0"/>
+          </a:p>
+        </p:txBody>
+      </p:sp>
+      <p:sp>
+        <p:nvSpPr>
+          <p:cNvPr id="3" name="Content Placeholder 2"/>
+          <p:cNvSpPr>
+            <a:spLocks noGrp="1"/>
+          </p:cNvSpPr>
+          <p:nvPr>
+            <p:ph idx="1"/>
+          </p:nvPr>
+        </p:nvSpPr>
+        <p:spPr>
+          <a:xfrm>
+            <a:off x="636104" y="1690688"/>
+            <a:ext cx="11168270" cy="4446343"/>
+          </a:xfrm>
+        </p:spPr>
+        <p:txBody>
+          <a:bodyPr>
+            <a:normAutofit fontScale="92500" lnSpcReduction="20000"/>
+          </a:bodyPr>
+          <a:lstStyle/>
+          <a:p>
+            <a:pPr marL="0" indent="0">
+              <a:buNone/>
+            </a:pPr>
+            <a:r>
+              <a:rPr lang="en-US" u="sng" dirty="0" smtClean="0">
+                <a:solidFill>
+                  <a:srgbClr val="FF0000"/>
+                </a:solidFill>
+              </a:rPr>
+              <a:t>Melanoma: </a:t>
+            </a:r>
+          </a:p>
+          <a:p>
+            <a:pPr marL="0" indent="0">
+              <a:buNone/>
+            </a:pPr>
+            <a:r>
+              <a:rPr lang="en-US" dirty="0" smtClean="0"/>
+              <a:t>Melanocytic lesions occurred on melanocyte skin cells, these cells are responsible of the skin color by producing the melanin protein. </a:t>
+            </a:r>
+          </a:p>
+          <a:p>
+            <a:pPr marL="0" indent="0">
+              <a:buNone/>
+            </a:pPr>
+            <a:endParaRPr lang="en-US" dirty="0"/>
+          </a:p>
+          <a:p>
+            <a:pPr marL="0" indent="0">
+              <a:buNone/>
+            </a:pPr>
+            <a:r>
+              <a:rPr lang="en-US" b="1" u="sng" dirty="0">
+                <a:solidFill>
+                  <a:srgbClr val="FF0000"/>
+                </a:solidFill>
+              </a:rPr>
+              <a:t>Non-melanocytic </a:t>
+            </a:r>
+            <a:r>
+              <a:rPr lang="en-US" b="1" u="sng" dirty="0" smtClean="0">
+                <a:solidFill>
+                  <a:srgbClr val="FF0000"/>
+                </a:solidFill>
+              </a:rPr>
+              <a:t>(non melanoma): </a:t>
+            </a:r>
+            <a:r>
+              <a:rPr lang="en-US" dirty="0" smtClean="0"/>
+              <a:t>have </a:t>
+            </a:r>
+            <a:r>
+              <a:rPr lang="en-US" dirty="0"/>
+              <a:t>origin in other types of skin </a:t>
+            </a:r>
+            <a:r>
+              <a:rPr lang="en-US" dirty="0" smtClean="0"/>
+              <a:t>cells : </a:t>
+            </a:r>
+          </a:p>
+          <a:p>
+            <a:pPr marL="0" indent="0">
+              <a:buNone/>
+            </a:pPr>
+            <a:endParaRPr lang="en-US" dirty="0" smtClean="0"/>
+          </a:p>
+          <a:p>
+            <a:r>
+              <a:rPr lang="en-US" dirty="0" smtClean="0"/>
+              <a:t>Basal </a:t>
+            </a:r>
+            <a:r>
+              <a:rPr lang="en-US" dirty="0"/>
+              <a:t>cell skin </a:t>
+            </a:r>
+            <a:r>
+              <a:rPr lang="en-US" dirty="0" smtClean="0"/>
+              <a:t>carcinoma(BCC)</a:t>
+            </a:r>
+            <a:endParaRPr lang="en-US" dirty="0"/>
+          </a:p>
+          <a:p>
+            <a:r>
+              <a:rPr lang="en-US" dirty="0"/>
+              <a:t>Squamous cell skin carcinoma </a:t>
+            </a:r>
+            <a:r>
+              <a:rPr lang="en-US" dirty="0" smtClean="0"/>
+              <a:t>(</a:t>
+            </a:r>
+            <a:r>
+              <a:rPr lang="en-US" dirty="0"/>
+              <a:t>SCC</a:t>
+            </a:r>
+            <a:r>
+              <a:rPr lang="en-US" dirty="0" smtClean="0"/>
+              <a:t>) is most spread type (9)</a:t>
+            </a:r>
+          </a:p>
+          <a:p>
+            <a:pPr marL="0" indent="0">
+              <a:buNone/>
+            </a:pPr>
+            <a:endParaRPr lang="en-US" dirty="0"/>
+          </a:p>
+          <a:p>
+            <a:pPr marL="0" indent="0">
+              <a:buNone/>
+            </a:pPr>
+            <a:r>
+              <a:rPr lang="fr-FR" dirty="0" smtClean="0"/>
+              <a:t>Others: </a:t>
+            </a:r>
+            <a:r>
+              <a:rPr lang="en-US" dirty="0"/>
+              <a:t>Actinic </a:t>
+            </a:r>
+            <a:r>
+              <a:rPr lang="en-US" dirty="0" smtClean="0"/>
+              <a:t>keratosis, </a:t>
+            </a:r>
+            <a:r>
+              <a:rPr lang="en-US" dirty="0"/>
+              <a:t>Seborrheic keratosis </a:t>
+            </a:r>
+            <a:r>
+              <a:rPr lang="en-US" dirty="0" smtClean="0"/>
+              <a:t>, </a:t>
+            </a:r>
+            <a:r>
+              <a:rPr lang="en-US" dirty="0"/>
+              <a:t>Intraepithelial </a:t>
+            </a:r>
+            <a:r>
+              <a:rPr lang="en-US" dirty="0" smtClean="0"/>
+              <a:t>carcinoma,</a:t>
+            </a:r>
+            <a:r>
+              <a:rPr lang="en-US" dirty="0"/>
+              <a:t> </a:t>
+            </a:r>
+            <a:r>
+              <a:rPr lang="en-US" dirty="0" smtClean="0"/>
+              <a:t>Hemangioma,</a:t>
+            </a:r>
+            <a:r>
+              <a:rPr lang="en-US" dirty="0"/>
+              <a:t> </a:t>
+            </a:r>
+            <a:r>
+              <a:rPr lang="en-US" dirty="0" smtClean="0"/>
+              <a:t>Dermatofibroma..</a:t>
+            </a:r>
+            <a:endParaRPr lang="fr-FR" dirty="0"/>
+          </a:p>
+        </p:txBody>
+      </p:sp>
+    </p:spTree>
+    <p:extLst>
+      <p:ext uri="{BB962C8B-B14F-4D97-AF65-F5344CB8AC3E}">
+        <p14:creationId xmlns:p14="http://schemas.microsoft.com/office/powerpoint/2010/main" val="2424236784"/>
+      </p:ext>
+    </p:extLst>
+  </p:cSld>
+  <p:clrMapOvr>
+    <a:masterClrMapping/>
+  </p:clrMapOvr>
+  <mc:AlternateContent xmlns:mc="http://schemas.openxmlformats.org/markup-compatibility/2006" xmlns:p14="http://schemas.microsoft.com/office/powerpoint/2010/main">
+    <mc:Choice Requires="p14">
+      <p:transition spd="slow" p14:dur="2000"/>
+    </mc:Choice>
+    <mc:Fallback xmlns="">
+      <p:transition spd="slow"/>
+    </mc:Fallback>
+  </mc:AlternateContent>
+</p:sld>
+</file>
+
+<file path=ppt/slides/slide4.xml><?xml version="1.0" encoding="utf-8"?>
+<p:sld xmlns:a="http://schemas.openxmlformats.org/drawingml/2006/main" xmlns:r="http://schemas.openxmlformats.org/officeDocument/2006/relationships" xmlns:p="http://schemas.openxmlformats.org/presentationml/2006/main">
+  <p:cSld>
+    <p:spTree>
+      <p:nvGrpSpPr>
+        <p:cNvPr id="1" name=""/>
+        <p:cNvGrpSpPr/>
+        <p:nvPr/>
+      </p:nvGrpSpPr>
+      <p:grpSpPr>
+        <a:xfrm>
+          <a:off x="0" y="0"/>
+          <a:ext cx="0" cy="0"/>
+          <a:chOff x="0" y="0"/>
+          <a:chExt cx="0" cy="0"/>
+        </a:xfrm>
+      </p:grpSpPr>
+      <p:sp>
+        <p:nvSpPr>
           <p:cNvPr id="2" name="Titre 1"/>
           <p:cNvSpPr>
             <a:spLocks noGrp="1"/>
@@ -4475,7 +5020,7 @@
 </p:sld>
 </file>
 
-<file path=ppt/slides/slide3.xml><?xml version="1.0" encoding="utf-8"?>
+<file path=ppt/slides/slide5.xml><?xml version="1.0" encoding="utf-8"?>
 <p:sld xmlns:a="http://schemas.openxmlformats.org/drawingml/2006/main" xmlns:r="http://schemas.openxmlformats.org/officeDocument/2006/relationships" xmlns:p="http://schemas.openxmlformats.org/presentationml/2006/main">
   <p:cSld>
     <p:spTree>
@@ -4874,7 +5419,7 @@
 </p:sld>
 </file>
 
-<file path=ppt/slides/slide4.xml><?xml version="1.0" encoding="utf-8"?>
+<file path=ppt/slides/slide6.xml><?xml version="1.0" encoding="utf-8"?>
 <p:sld xmlns:a="http://schemas.openxmlformats.org/drawingml/2006/main" xmlns:r="http://schemas.openxmlformats.org/officeDocument/2006/relationships" xmlns:p="http://schemas.openxmlformats.org/presentationml/2006/main">
   <p:cSld>
     <p:spTree>
